--- a/python_for_DA_Endah.pptx
+++ b/python_for_DA_Endah.pptx
@@ -19005,7 +19005,7 @@
         <p:spPr>
           <a:xfrm rot="0">
             <a:off x="1028700" y="2551499"/>
-            <a:ext cx="7775623" cy="1581150"/>
+            <a:ext cx="16230600" cy="2114550"/>
           </a:xfrm>
           <a:prstGeom prst="rect">
             <a:avLst/>
@@ -19033,6 +19033,45 @@
                 <a:sym typeface="Montserrat Medium"/>
               </a:rPr>
               <a:t>The dataset is an online retail sales report that sells various products, both food and household needs in 2010.</a:t>
+            </a:r>
+          </a:p>
+          <a:p>
+            <a:pPr algn="l">
+              <a:lnSpc>
+                <a:spcPts val="4200"/>
+              </a:lnSpc>
+            </a:pPr>
+          </a:p>
+          <a:p>
+            <a:pPr algn="l">
+              <a:lnSpc>
+                <a:spcPts val="4200"/>
+              </a:lnSpc>
+            </a:pPr>
+            <a:r>
+              <a:rPr lang="en-US" sz="3000" b="true">
+                <a:solidFill>
+                  <a:srgbClr val="24508C"/>
+                </a:solidFill>
+                <a:latin typeface="Montserrat Bold"/>
+                <a:ea typeface="Montserrat Bold"/>
+                <a:cs typeface="Montserrat Bold"/>
+                <a:sym typeface="Montserrat Bold"/>
+              </a:rPr>
+              <a:t>Dataset link : </a:t>
+            </a:r>
+            <a:r>
+              <a:rPr lang="en-US" b="true" sz="3000" u="sng">
+                <a:solidFill>
+                  <a:srgbClr val="24508C"/>
+                </a:solidFill>
+                <a:latin typeface="Montserrat Bold"/>
+                <a:ea typeface="Montserrat Bold"/>
+                <a:cs typeface="Montserrat Bold"/>
+                <a:sym typeface="Montserrat Bold"/>
+                <a:hlinkClick r:id="rId8" tooltip="https://bit.ly/47yJMFn"/>
+              </a:rPr>
+              <a:t>https://bit.ly/47yJMFn</a:t>
             </a:r>
           </a:p>
         </p:txBody>
